--- a/sql/Basic SQL.pptx
+++ b/sql/Basic SQL.pptx
@@ -7,13 +7,12 @@
   <p:sldIdLst>
     <p:sldId id="256" r:id="rId2"/>
     <p:sldId id="257" r:id="rId3"/>
-    <p:sldId id="258" r:id="rId4"/>
-    <p:sldId id="264" r:id="rId5"/>
-    <p:sldId id="259" r:id="rId6"/>
-    <p:sldId id="260" r:id="rId7"/>
-    <p:sldId id="261" r:id="rId8"/>
-    <p:sldId id="262" r:id="rId9"/>
-    <p:sldId id="263" r:id="rId10"/>
+    <p:sldId id="264" r:id="rId4"/>
+    <p:sldId id="260" r:id="rId5"/>
+    <p:sldId id="261" r:id="rId6"/>
+    <p:sldId id="262" r:id="rId7"/>
+    <p:sldId id="265" r:id="rId8"/>
+    <p:sldId id="263" r:id="rId9"/>
   </p:sldIdLst>
   <p:sldSz cx="12192000" cy="6858000"/>
   <p:notesSz cx="6858000" cy="9144000"/>
@@ -112,6 +111,11 @@
       </a:defRPr>
     </a:lvl9pPr>
   </p:defaultTextStyle>
+  <p:extLst>
+    <p:ext uri="{EFAFB233-063F-42B5-8137-9DF3F51BA10A}">
+      <p15:sldGuideLst xmlns:p15="http://schemas.microsoft.com/office/powerpoint/2012/main"/>
+    </p:ext>
+  </p:extLst>
 </p:presentation>
 </file>
 
@@ -361,7 +365,7 @@
             <a:fld id="{B61BEF0D-F0BB-DE4B-95CE-6DB70DBA9567}" type="datetimeFigureOut">
               <a:rPr lang="en-US" dirty="0"/>
               <a:pPr/>
-              <a:t>10/2/2018</a:t>
+              <a:t>10/3/2018</a:t>
             </a:fld>
             <a:endParaRPr lang="en-US" dirty="0"/>
           </a:p>
@@ -620,7 +624,7 @@
             <a:fld id="{B61BEF0D-F0BB-DE4B-95CE-6DB70DBA9567}" type="datetimeFigureOut">
               <a:rPr lang="en-US" dirty="0"/>
               <a:pPr/>
-              <a:t>10/2/2018</a:t>
+              <a:t>10/3/2018</a:t>
             </a:fld>
             <a:endParaRPr lang="en-US" dirty="0"/>
           </a:p>
@@ -852,7 +856,7 @@
             <a:fld id="{B61BEF0D-F0BB-DE4B-95CE-6DB70DBA9567}" type="datetimeFigureOut">
               <a:rPr lang="en-US" dirty="0"/>
               <a:pPr/>
-              <a:t>10/2/2018</a:t>
+              <a:t>10/3/2018</a:t>
             </a:fld>
             <a:endParaRPr lang="en-US" dirty="0"/>
           </a:p>
@@ -1089,7 +1093,7 @@
             <a:fld id="{B61BEF0D-F0BB-DE4B-95CE-6DB70DBA9567}" type="datetimeFigureOut">
               <a:rPr lang="en-US" dirty="0"/>
               <a:pPr/>
-              <a:t>10/2/2018</a:t>
+              <a:t>10/3/2018</a:t>
             </a:fld>
             <a:endParaRPr lang="en-US" dirty="0"/>
           </a:p>
@@ -1393,7 +1397,7 @@
             <a:fld id="{B61BEF0D-F0BB-DE4B-95CE-6DB70DBA9567}" type="datetimeFigureOut">
               <a:rPr lang="en-US" dirty="0"/>
               <a:pPr/>
-              <a:t>10/2/2018</a:t>
+              <a:t>10/3/2018</a:t>
             </a:fld>
             <a:endParaRPr lang="en-US" dirty="0"/>
           </a:p>
@@ -1692,7 +1696,7 @@
             <a:fld id="{B61BEF0D-F0BB-DE4B-95CE-6DB70DBA9567}" type="datetimeFigureOut">
               <a:rPr lang="en-US" dirty="0"/>
               <a:pPr/>
-              <a:t>10/2/2018</a:t>
+              <a:t>10/3/2018</a:t>
             </a:fld>
             <a:endParaRPr lang="en-US" dirty="0"/>
           </a:p>
@@ -2111,7 +2115,7 @@
             <a:fld id="{B61BEF0D-F0BB-DE4B-95CE-6DB70DBA9567}" type="datetimeFigureOut">
               <a:rPr lang="en-US" dirty="0"/>
               <a:pPr/>
-              <a:t>10/2/2018</a:t>
+              <a:t>10/3/2018</a:t>
             </a:fld>
             <a:endParaRPr lang="en-US" dirty="0"/>
           </a:p>
@@ -2270,7 +2274,7 @@
             <a:fld id="{B61BEF0D-F0BB-DE4B-95CE-6DB70DBA9567}" type="datetimeFigureOut">
               <a:rPr lang="en-US" dirty="0"/>
               <a:pPr/>
-              <a:t>10/2/2018</a:t>
+              <a:t>10/3/2018</a:t>
             </a:fld>
             <a:endParaRPr lang="en-US" dirty="0"/>
           </a:p>
@@ -2362,7 +2366,7 @@
             <a:fld id="{B61BEF0D-F0BB-DE4B-95CE-6DB70DBA9567}" type="datetimeFigureOut">
               <a:rPr lang="en-US" dirty="0"/>
               <a:pPr/>
-              <a:t>10/2/2018</a:t>
+              <a:t>10/3/2018</a:t>
             </a:fld>
             <a:endParaRPr lang="en-US" dirty="0"/>
           </a:p>
@@ -2737,7 +2741,7 @@
             <a:fld id="{B61BEF0D-F0BB-DE4B-95CE-6DB70DBA9567}" type="datetimeFigureOut">
               <a:rPr lang="en-US" dirty="0"/>
               <a:pPr/>
-              <a:t>10/2/2018</a:t>
+              <a:t>10/3/2018</a:t>
             </a:fld>
             <a:endParaRPr lang="en-US" dirty="0"/>
           </a:p>
@@ -3023,7 +3027,7 @@
             <a:fld id="{B61BEF0D-F0BB-DE4B-95CE-6DB70DBA9567}" type="datetimeFigureOut">
               <a:rPr lang="en-US" dirty="0"/>
               <a:pPr/>
-              <a:t>10/2/2018</a:t>
+              <a:t>10/3/2018</a:t>
             </a:fld>
             <a:endParaRPr lang="en-US" dirty="0"/>
           </a:p>
@@ -3231,7 +3235,7 @@
             <a:fld id="{B61BEF0D-F0BB-DE4B-95CE-6DB70DBA9567}" type="datetimeFigureOut">
               <a:rPr lang="en-US" dirty="0"/>
               <a:pPr/>
-              <a:t>10/2/2018</a:t>
+              <a:t>10/3/2018</a:t>
             </a:fld>
             <a:endParaRPr lang="en-US" dirty="0"/>
           </a:p>
@@ -3965,7 +3969,7 @@
           <a:p>
             <a:r>
               <a:rPr lang="en-US" dirty="0"/>
-              <a:t>Database Structure</a:t>
+              <a:t>Basic command</a:t>
             </a:r>
           </a:p>
           <a:p>
@@ -3977,15 +3981,14 @@
           <a:p>
             <a:r>
               <a:rPr lang="en-US" dirty="0"/>
-              <a:t>JOIN</a:t>
-            </a:r>
-          </a:p>
-          <a:p>
-            <a:r>
-              <a:rPr lang="en-US" dirty="0" err="1"/>
-              <a:t>Excercise</a:t>
-            </a:r>
-            <a:endParaRPr lang="en-US" dirty="0"/>
+              <a:t>JOIN table, Aggerate Function </a:t>
+            </a:r>
+          </a:p>
+          <a:p>
+            <a:r>
+              <a:rPr lang="en-US" dirty="0"/>
+              <a:t>Assignment</a:t>
+            </a:r>
           </a:p>
           <a:p>
             <a:pPr marL="0" indent="0">
@@ -4048,7 +4051,7 @@
           <a:p>
             <a:r>
               <a:rPr lang="en-US" dirty="0"/>
-              <a:t>Structure</a:t>
+              <a:t>Basic command</a:t>
             </a:r>
           </a:p>
         </p:txBody>
@@ -4077,21 +4080,90 @@
         </p:spPr>
         <p:txBody>
           <a:bodyPr>
-            <a:normAutofit/>
+            <a:normAutofit fontScale="92500" lnSpcReduction="10000"/>
           </a:bodyPr>
           <a:lstStyle/>
           <a:p>
             <a:pPr marL="0" indent="0">
               <a:buNone/>
             </a:pPr>
-            <a:endParaRPr lang="en-US" dirty="0"/>
+            <a:r>
+              <a:rPr lang="en-US" dirty="0"/>
+              <a:t>Important SQL Commands</a:t>
+            </a:r>
+          </a:p>
+          <a:p>
+            <a:r>
+              <a:rPr lang="en-US" dirty="0"/>
+              <a:t>SELECT - extracts data from a database</a:t>
+            </a:r>
+          </a:p>
+          <a:p>
+            <a:r>
+              <a:rPr lang="en-US" dirty="0"/>
+              <a:t>UPDATE - updates data in a database</a:t>
+            </a:r>
+          </a:p>
+          <a:p>
+            <a:r>
+              <a:rPr lang="en-US" dirty="0"/>
+              <a:t>DELETE - deletes data from a database</a:t>
+            </a:r>
+          </a:p>
+          <a:p>
+            <a:r>
+              <a:rPr lang="en-US" dirty="0"/>
+              <a:t>INSERT INTO - inserts new data into a database</a:t>
+            </a:r>
+          </a:p>
+          <a:p>
+            <a:r>
+              <a:rPr lang="en-US" dirty="0"/>
+              <a:t>CREATE DATABASE - creates a new database</a:t>
+            </a:r>
+          </a:p>
+          <a:p>
+            <a:r>
+              <a:rPr lang="en-US" dirty="0"/>
+              <a:t>ALTER DATABASE - modifies a database</a:t>
+            </a:r>
+          </a:p>
+          <a:p>
+            <a:r>
+              <a:rPr lang="en-US" dirty="0"/>
+              <a:t>CREATE TABLE - creates a new table</a:t>
+            </a:r>
+          </a:p>
+          <a:p>
+            <a:r>
+              <a:rPr lang="en-US" dirty="0"/>
+              <a:t>ALTER TABLE - modifies a table</a:t>
+            </a:r>
+          </a:p>
+          <a:p>
+            <a:r>
+              <a:rPr lang="en-US" dirty="0"/>
+              <a:t>DROP TABLE - deletes a table</a:t>
+            </a:r>
+          </a:p>
+          <a:p>
+            <a:r>
+              <a:rPr lang="en-US" dirty="0"/>
+              <a:t>CREATE INDEX - creates an index (search key)</a:t>
+            </a:r>
+          </a:p>
+          <a:p>
+            <a:r>
+              <a:rPr lang="en-US" dirty="0"/>
+              <a:t>DROP INDEX - deletes an index</a:t>
+            </a:r>
           </a:p>
         </p:txBody>
       </p:sp>
     </p:spTree>
     <p:extLst>
       <p:ext uri="{BB962C8B-B14F-4D97-AF65-F5344CB8AC3E}">
-        <p14:creationId xmlns:p14="http://schemas.microsoft.com/office/powerpoint/2010/main" val="1060960502"/>
+        <p14:creationId xmlns:p14="http://schemas.microsoft.com/office/powerpoint/2010/main" val="1131502762"/>
       </p:ext>
     </p:extLst>
   </p:cSld>
@@ -4123,7 +4195,7 @@
           <p:cNvPr id="2" name="Title 1">
             <a:extLst>
               <a:ext uri="{FF2B5EF4-FFF2-40B4-BE49-F238E27FC236}">
-                <a16:creationId xmlns:a16="http://schemas.microsoft.com/office/drawing/2014/main" id="{F7DE594D-CD65-47AE-BD07-5417D3CCF4A8}"/>
+                <a16:creationId xmlns:a16="http://schemas.microsoft.com/office/drawing/2014/main" id="{684D24CF-10C5-4014-B1B7-2E3B5291192D}"/>
               </a:ext>
             </a:extLst>
           </p:cNvPr>
@@ -4141,7 +4213,7 @@
           <a:p>
             <a:r>
               <a:rPr lang="en-US" dirty="0"/>
-              <a:t>Structure</a:t>
+              <a:t>CRUD</a:t>
             </a:r>
           </a:p>
         </p:txBody>
@@ -4151,7 +4223,7 @@
           <p:cNvPr id="3" name="Content Placeholder 2">
             <a:extLst>
               <a:ext uri="{FF2B5EF4-FFF2-40B4-BE49-F238E27FC236}">
-                <a16:creationId xmlns:a16="http://schemas.microsoft.com/office/drawing/2014/main" id="{FEC824E9-1B3F-4358-89A1-9948B3911D95}"/>
+                <a16:creationId xmlns:a16="http://schemas.microsoft.com/office/drawing/2014/main" id="{047001B9-AF33-4D3F-B76E-70322C3EA7CF}"/>
               </a:ext>
             </a:extLst>
           </p:cNvPr>
@@ -4162,27 +4234,11 @@
             <p:ph idx="1"/>
           </p:nvPr>
         </p:nvSpPr>
-        <p:spPr>
-          <a:xfrm>
-            <a:off x="581192" y="2180496"/>
-            <a:ext cx="11029615" cy="4352109"/>
-          </a:xfrm>
-        </p:spPr>
-        <p:txBody>
-          <a:bodyPr>
-            <a:normAutofit fontScale="92500" lnSpcReduction="10000"/>
-          </a:bodyPr>
+        <p:spPr/>
+        <p:txBody>
+          <a:bodyPr/>
           <a:lstStyle/>
           <a:p>
-            <a:pPr marL="0" indent="0">
-              <a:buNone/>
-            </a:pPr>
-            <a:r>
-              <a:rPr lang="en-US" dirty="0"/>
-              <a:t>Important SQL Commands</a:t>
-            </a:r>
-          </a:p>
-          <a:p>
             <a:r>
               <a:rPr lang="en-US" dirty="0"/>
               <a:t>SELECT - extracts data from a database</a:t>
@@ -4207,53 +4263,14 @@
             </a:r>
           </a:p>
           <a:p>
-            <a:r>
-              <a:rPr lang="en-US" dirty="0"/>
-              <a:t>CREATE DATABASE - creates a new database</a:t>
-            </a:r>
-          </a:p>
-          <a:p>
-            <a:r>
-              <a:rPr lang="en-US" dirty="0"/>
-              <a:t>ALTER DATABASE - modifies a database</a:t>
-            </a:r>
-          </a:p>
-          <a:p>
-            <a:r>
-              <a:rPr lang="en-US" dirty="0"/>
-              <a:t>CREATE TABLE - creates a new table</a:t>
-            </a:r>
-          </a:p>
-          <a:p>
-            <a:r>
-              <a:rPr lang="en-US" dirty="0"/>
-              <a:t>ALTER TABLE - modifies a table</a:t>
-            </a:r>
-          </a:p>
-          <a:p>
-            <a:r>
-              <a:rPr lang="en-US" dirty="0"/>
-              <a:t>DROP TABLE - deletes a table</a:t>
-            </a:r>
-          </a:p>
-          <a:p>
-            <a:r>
-              <a:rPr lang="en-US" dirty="0"/>
-              <a:t>CREATE INDEX - creates an index (search key)</a:t>
-            </a:r>
-          </a:p>
-          <a:p>
-            <a:r>
-              <a:rPr lang="en-US" dirty="0"/>
-              <a:t>DROP INDEX - deletes an index</a:t>
-            </a:r>
+            <a:endParaRPr lang="en-US" dirty="0"/>
           </a:p>
         </p:txBody>
       </p:sp>
     </p:spTree>
     <p:extLst>
       <p:ext uri="{BB962C8B-B14F-4D97-AF65-F5344CB8AC3E}">
-        <p14:creationId xmlns:p14="http://schemas.microsoft.com/office/powerpoint/2010/main" val="1131502762"/>
+        <p14:creationId xmlns:p14="http://schemas.microsoft.com/office/powerpoint/2010/main" val="1811556350"/>
       </p:ext>
     </p:extLst>
   </p:cSld>
@@ -4285,7 +4302,7 @@
           <p:cNvPr id="2" name="Title 1">
             <a:extLst>
               <a:ext uri="{FF2B5EF4-FFF2-40B4-BE49-F238E27FC236}">
-                <a16:creationId xmlns:a16="http://schemas.microsoft.com/office/drawing/2014/main" id="{7D83F425-C541-4C2A-8A8A-3091E8A0E9A4}"/>
+                <a16:creationId xmlns:a16="http://schemas.microsoft.com/office/drawing/2014/main" id="{FD0D30A9-E63D-4CDB-97C8-329722BE17E0}"/>
               </a:ext>
             </a:extLst>
           </p:cNvPr>
@@ -4301,7 +4318,10 @@
           <a:bodyPr/>
           <a:lstStyle/>
           <a:p>
-            <a:endParaRPr lang="en-US"/>
+            <a:r>
+              <a:rPr lang="en-US" dirty="0"/>
+              <a:t>Join table</a:t>
+            </a:r>
           </a:p>
         </p:txBody>
       </p:sp>
@@ -4310,7 +4330,7 @@
           <p:cNvPr id="3" name="Content Placeholder 2">
             <a:extLst>
               <a:ext uri="{FF2B5EF4-FFF2-40B4-BE49-F238E27FC236}">
-                <a16:creationId xmlns:a16="http://schemas.microsoft.com/office/drawing/2014/main" id="{9C48BCD8-EA8D-4411-8751-619037BBCF83}"/>
+                <a16:creationId xmlns:a16="http://schemas.microsoft.com/office/drawing/2014/main" id="{AC8B56D4-916B-400B-A78B-406E5F6DC24E}"/>
               </a:ext>
             </a:extLst>
           </p:cNvPr>
@@ -4321,19 +4341,96 @@
             <p:ph idx="1"/>
           </p:nvPr>
         </p:nvSpPr>
-        <p:spPr/>
-        <p:txBody>
-          <a:bodyPr/>
+        <p:spPr>
+          <a:xfrm>
+            <a:off x="581192" y="2180496"/>
+            <a:ext cx="7219200" cy="4304280"/>
+          </a:xfrm>
+        </p:spPr>
+        <p:txBody>
+          <a:bodyPr>
+            <a:normAutofit/>
+          </a:bodyPr>
           <a:lstStyle/>
           <a:p>
-            <a:endParaRPr lang="en-US"/>
-          </a:p>
-        </p:txBody>
-      </p:sp>
+            <a:r>
+              <a:rPr lang="en-US" b="1" dirty="0"/>
+              <a:t>(INNER) JOIN</a:t>
+            </a:r>
+            <a:r>
+              <a:rPr lang="en-US" dirty="0"/>
+              <a:t>: Returns records that have matching values in both tables</a:t>
+            </a:r>
+          </a:p>
+          <a:p>
+            <a:r>
+              <a:rPr lang="en-US" b="1" dirty="0"/>
+              <a:t>LEFT (OUTER) JOIN</a:t>
+            </a:r>
+            <a:r>
+              <a:rPr lang="en-US" dirty="0"/>
+              <a:t>: Return all records from the left table, and the matched records from the right table</a:t>
+            </a:r>
+          </a:p>
+          <a:p>
+            <a:r>
+              <a:rPr lang="en-US" b="1" dirty="0"/>
+              <a:t>RIGHT (OUTER) JOIN</a:t>
+            </a:r>
+            <a:r>
+              <a:rPr lang="en-US" dirty="0"/>
+              <a:t>: Return all records from the right table, and the matched records from the left table</a:t>
+            </a:r>
+          </a:p>
+          <a:p>
+            <a:r>
+              <a:rPr lang="en-US" b="1" dirty="0"/>
+              <a:t>FULL (OUTER) JOIN</a:t>
+            </a:r>
+            <a:r>
+              <a:rPr lang="en-US" dirty="0"/>
+              <a:t>: Return all records when there is a match in either left or right table</a:t>
+            </a:r>
+          </a:p>
+          <a:p>
+            <a:endParaRPr lang="en-US" dirty="0"/>
+          </a:p>
+        </p:txBody>
+      </p:sp>
+      <p:pic>
+        <p:nvPicPr>
+          <p:cNvPr id="5" name="Picture 4">
+            <a:extLst>
+              <a:ext uri="{FF2B5EF4-FFF2-40B4-BE49-F238E27FC236}">
+                <a16:creationId xmlns:a16="http://schemas.microsoft.com/office/drawing/2014/main" id="{84A74B2C-4A1C-4213-8B8E-FDCF34FC1081}"/>
+              </a:ext>
+            </a:extLst>
+          </p:cNvPr>
+          <p:cNvPicPr>
+            <a:picLocks noChangeAspect="1"/>
+          </p:cNvPicPr>
+          <p:nvPr/>
+        </p:nvPicPr>
+        <p:blipFill>
+          <a:blip r:embed="rId2"/>
+          <a:stretch>
+            <a:fillRect/>
+          </a:stretch>
+        </p:blipFill>
+        <p:spPr>
+          <a:xfrm>
+            <a:off x="7873899" y="2725204"/>
+            <a:ext cx="3736909" cy="2713877"/>
+          </a:xfrm>
+          <a:prstGeom prst="rect">
+            <a:avLst/>
+          </a:prstGeom>
+        </p:spPr>
+      </p:pic>
     </p:spTree>
     <p:extLst>
       <p:ext uri="{BB962C8B-B14F-4D97-AF65-F5344CB8AC3E}">
-        <p14:creationId xmlns:p14="http://schemas.microsoft.com/office/powerpoint/2010/main" val="3317750187"/>
+        <p14:creationId xmlns:p14="http://schemas.microsoft.com/office/powerpoint/2010/main" val="1835662387"/>
       </p:ext>
     </p:extLst>
   </p:cSld>
@@ -4365,7 +4462,7 @@
           <p:cNvPr id="2" name="Title 1">
             <a:extLst>
               <a:ext uri="{FF2B5EF4-FFF2-40B4-BE49-F238E27FC236}">
-                <a16:creationId xmlns:a16="http://schemas.microsoft.com/office/drawing/2014/main" id="{684D24CF-10C5-4014-B1B7-2E3B5291192D}"/>
+                <a16:creationId xmlns:a16="http://schemas.microsoft.com/office/drawing/2014/main" id="{760C8C90-EA8A-4DBA-8B70-187FC7CB0E0A}"/>
               </a:ext>
             </a:extLst>
           </p:cNvPr>
@@ -4381,7 +4478,10 @@
           <a:bodyPr/>
           <a:lstStyle/>
           <a:p>
-            <a:endParaRPr lang="en-US"/>
+            <a:r>
+              <a:rPr lang="en-US" dirty="0"/>
+              <a:t>SQL Aggregate Functions</a:t>
+            </a:r>
           </a:p>
         </p:txBody>
       </p:sp>
@@ -4390,7 +4490,7 @@
           <p:cNvPr id="3" name="Content Placeholder 2">
             <a:extLst>
               <a:ext uri="{FF2B5EF4-FFF2-40B4-BE49-F238E27FC236}">
-                <a16:creationId xmlns:a16="http://schemas.microsoft.com/office/drawing/2014/main" id="{047001B9-AF33-4D3F-B76E-70322C3EA7CF}"/>
+                <a16:creationId xmlns:a16="http://schemas.microsoft.com/office/drawing/2014/main" id="{4B2D2B4F-37C5-44CB-A771-1977DB12D475}"/>
               </a:ext>
             </a:extLst>
           </p:cNvPr>
@@ -4406,14 +4506,79 @@
           <a:bodyPr/>
           <a:lstStyle/>
           <a:p>
-            <a:endParaRPr lang="en-US"/>
+            <a:pPr fontAlgn="base"/>
+            <a:r>
+              <a:rPr lang="en-US" dirty="0">
+                <a:hlinkClick r:id="rId2" tooltip="More information on SQL AVG function"/>
+              </a:rPr>
+              <a:t>AVG </a:t>
+            </a:r>
+            <a:r>
+              <a:rPr lang="en-US" dirty="0"/>
+              <a:t>– calculates the average of a set of values.</a:t>
+            </a:r>
+          </a:p>
+          <a:p>
+            <a:pPr fontAlgn="base"/>
+            <a:r>
+              <a:rPr lang="en-US" dirty="0">
+                <a:hlinkClick r:id="rId3" tooltip="Count the number of items in a group using SQL COUNT function"/>
+              </a:rPr>
+              <a:t>COUNT </a:t>
+            </a:r>
+            <a:r>
+              <a:rPr lang="en-US" dirty="0"/>
+              <a:t>– counts rows in a specified table or view.</a:t>
+            </a:r>
+          </a:p>
+          <a:p>
+            <a:pPr fontAlgn="base"/>
+            <a:r>
+              <a:rPr lang="en-US" dirty="0">
+                <a:hlinkClick r:id="rId4" tooltip="Find minimum and maxium using SQL MIN and MAX functions"/>
+              </a:rPr>
+              <a:t>MIN </a:t>
+            </a:r>
+            <a:r>
+              <a:rPr lang="en-US" dirty="0"/>
+              <a:t>– gets the minimum value in a set of values.</a:t>
+            </a:r>
+          </a:p>
+          <a:p>
+            <a:pPr fontAlgn="base"/>
+            <a:r>
+              <a:rPr lang="en-US" dirty="0">
+                <a:hlinkClick r:id="rId5" tooltip="SQL MAX Function"/>
+              </a:rPr>
+              <a:t>MAX </a:t>
+            </a:r>
+            <a:r>
+              <a:rPr lang="en-US" dirty="0"/>
+              <a:t>– gets the maximum value in a set of values.</a:t>
+            </a:r>
+          </a:p>
+          <a:p>
+            <a:pPr fontAlgn="base"/>
+            <a:r>
+              <a:rPr lang="en-US" dirty="0">
+                <a:hlinkClick r:id="rId6" tooltip="Learn how to use SQL SUM function"/>
+              </a:rPr>
+              <a:t>SUM </a:t>
+            </a:r>
+            <a:r>
+              <a:rPr lang="en-US" dirty="0"/>
+              <a:t>– calculates the sum of values.</a:t>
+            </a:r>
+          </a:p>
+          <a:p>
+            <a:endParaRPr lang="en-US" dirty="0"/>
           </a:p>
         </p:txBody>
       </p:sp>
     </p:spTree>
     <p:extLst>
       <p:ext uri="{BB962C8B-B14F-4D97-AF65-F5344CB8AC3E}">
-        <p14:creationId xmlns:p14="http://schemas.microsoft.com/office/powerpoint/2010/main" val="1811556350"/>
+        <p14:creationId xmlns:p14="http://schemas.microsoft.com/office/powerpoint/2010/main" val="802427379"/>
       </p:ext>
     </p:extLst>
   </p:cSld>
@@ -4445,7 +4610,7 @@
           <p:cNvPr id="2" name="Title 1">
             <a:extLst>
               <a:ext uri="{FF2B5EF4-FFF2-40B4-BE49-F238E27FC236}">
-                <a16:creationId xmlns:a16="http://schemas.microsoft.com/office/drawing/2014/main" id="{FD0D30A9-E63D-4CDB-97C8-329722BE17E0}"/>
+                <a16:creationId xmlns:a16="http://schemas.microsoft.com/office/drawing/2014/main" id="{1051287D-EB8A-4354-835B-5712667F65F6}"/>
               </a:ext>
             </a:extLst>
           </p:cNvPr>
@@ -4461,7 +4626,11 @@
           <a:bodyPr/>
           <a:lstStyle/>
           <a:p>
-            <a:endParaRPr lang="en-US"/>
+            <a:r>
+              <a:rPr lang="en-US" b="1" dirty="0"/>
+              <a:t>CASE Statement</a:t>
+            </a:r>
+            <a:endParaRPr lang="en-US" dirty="0"/>
           </a:p>
         </p:txBody>
       </p:sp>
@@ -4470,7 +4639,7 @@
           <p:cNvPr id="3" name="Content Placeholder 2">
             <a:extLst>
               <a:ext uri="{FF2B5EF4-FFF2-40B4-BE49-F238E27FC236}">
-                <a16:creationId xmlns:a16="http://schemas.microsoft.com/office/drawing/2014/main" id="{AC8B56D4-916B-400B-A78B-406E5F6DC24E}"/>
+                <a16:creationId xmlns:a16="http://schemas.microsoft.com/office/drawing/2014/main" id="{03BF1121-6F86-4B89-9C41-0CB6E8517D6F}"/>
               </a:ext>
             </a:extLst>
           </p:cNvPr>
@@ -4481,19 +4650,380 @@
             <p:ph idx="1"/>
           </p:nvPr>
         </p:nvSpPr>
-        <p:spPr/>
-        <p:txBody>
-          <a:bodyPr/>
+        <p:spPr>
+          <a:xfrm>
+            <a:off x="581193" y="2180496"/>
+            <a:ext cx="4756926" cy="3678303"/>
+          </a:xfrm>
+        </p:spPr>
+        <p:txBody>
+          <a:bodyPr>
+            <a:normAutofit fontScale="92500" lnSpcReduction="10000"/>
+          </a:bodyPr>
           <a:lstStyle/>
           <a:p>
-            <a:endParaRPr lang="en-US"/>
+            <a:r>
+              <a:rPr lang="en-US" dirty="0"/>
+              <a:t>CASE expression</a:t>
+            </a:r>
+          </a:p>
+          <a:p>
+            <a:endParaRPr lang="en-US" dirty="0"/>
+          </a:p>
+          <a:p>
+            <a:r>
+              <a:rPr lang="en-US" dirty="0"/>
+              <a:t>   WHEN value_1 THEN result_1</a:t>
+            </a:r>
+          </a:p>
+          <a:p>
+            <a:r>
+              <a:rPr lang="en-US" dirty="0"/>
+              <a:t>   WHEN value_2 THEN result_2</a:t>
+            </a:r>
+          </a:p>
+          <a:p>
+            <a:r>
+              <a:rPr lang="en-US" dirty="0"/>
+              <a:t>   ...</a:t>
+            </a:r>
+          </a:p>
+          <a:p>
+            <a:r>
+              <a:rPr lang="en-US" dirty="0"/>
+              <a:t>   WHEN </a:t>
+            </a:r>
+            <a:r>
+              <a:rPr lang="en-US" dirty="0" err="1"/>
+              <a:t>value_n</a:t>
+            </a:r>
+            <a:r>
+              <a:rPr lang="en-US" dirty="0"/>
+              <a:t> THEN </a:t>
+            </a:r>
+            <a:r>
+              <a:rPr lang="en-US" dirty="0" err="1"/>
+              <a:t>result_n</a:t>
+            </a:r>
+            <a:endParaRPr lang="en-US" dirty="0"/>
+          </a:p>
+          <a:p>
+            <a:endParaRPr lang="en-US" dirty="0"/>
+          </a:p>
+          <a:p>
+            <a:r>
+              <a:rPr lang="en-US" dirty="0"/>
+              <a:t>   ELSE result</a:t>
+            </a:r>
+          </a:p>
+          <a:p>
+            <a:endParaRPr lang="en-US" dirty="0"/>
+          </a:p>
+          <a:p>
+            <a:r>
+              <a:rPr lang="en-US" dirty="0"/>
+              <a:t>END</a:t>
+            </a:r>
+          </a:p>
+        </p:txBody>
+      </p:sp>
+      <p:sp>
+        <p:nvSpPr>
+          <p:cNvPr id="5" name="Content Placeholder 2">
+            <a:extLst>
+              <a:ext uri="{FF2B5EF4-FFF2-40B4-BE49-F238E27FC236}">
+                <a16:creationId xmlns:a16="http://schemas.microsoft.com/office/drawing/2014/main" id="{7DE2A541-8505-4B3C-989D-6AC961625409}"/>
+              </a:ext>
+            </a:extLst>
+          </p:cNvPr>
+          <p:cNvSpPr txBox="1">
+            <a:spLocks/>
+          </p:cNvSpPr>
+          <p:nvPr/>
+        </p:nvSpPr>
+        <p:spPr>
+          <a:xfrm>
+            <a:off x="6940378" y="2258756"/>
+            <a:ext cx="4670429" cy="3678303"/>
+          </a:xfrm>
+          <a:prstGeom prst="rect">
+            <a:avLst/>
+          </a:prstGeom>
+        </p:spPr>
+        <p:txBody>
+          <a:bodyPr vert="horz" lIns="91440" tIns="45720" rIns="91440" bIns="45720" rtlCol="0" anchor="ctr">
+            <a:normAutofit fontScale="92500" lnSpcReduction="10000"/>
+          </a:bodyPr>
+          <a:lstStyle>
+            <a:lvl1pPr marL="306000" indent="-306000" algn="l" defTabSz="457200" rtl="0" eaLnBrk="1" latinLnBrk="0" hangingPunct="1">
+              <a:spcBef>
+                <a:spcPct val="20000"/>
+              </a:spcBef>
+              <a:spcAft>
+                <a:spcPts val="600"/>
+              </a:spcAft>
+              <a:buClr>
+                <a:schemeClr val="accent2"/>
+              </a:buClr>
+              <a:buSzPct val="92000"/>
+              <a:buFont typeface="Wingdings 2" panose="05020102010507070707" pitchFamily="18" charset="2"/>
+              <a:buChar char=""/>
+              <a:defRPr sz="1800" kern="1200">
+                <a:solidFill>
+                  <a:schemeClr val="tx2"/>
+                </a:solidFill>
+                <a:latin typeface="+mn-lt"/>
+                <a:ea typeface="+mn-ea"/>
+                <a:cs typeface="+mn-cs"/>
+              </a:defRPr>
+            </a:lvl1pPr>
+            <a:lvl2pPr marL="630000" indent="-306000" algn="l" defTabSz="457200" rtl="0" eaLnBrk="1" latinLnBrk="0" hangingPunct="1">
+              <a:spcBef>
+                <a:spcPct val="20000"/>
+              </a:spcBef>
+              <a:spcAft>
+                <a:spcPts val="600"/>
+              </a:spcAft>
+              <a:buClr>
+                <a:schemeClr val="accent2"/>
+              </a:buClr>
+              <a:buSzPct val="92000"/>
+              <a:buFont typeface="Wingdings 2" panose="05020102010507070707" pitchFamily="18" charset="2"/>
+              <a:buChar char=""/>
+              <a:defRPr sz="1600" kern="1200">
+                <a:solidFill>
+                  <a:schemeClr val="tx2"/>
+                </a:solidFill>
+                <a:latin typeface="+mn-lt"/>
+                <a:ea typeface="+mn-ea"/>
+                <a:cs typeface="+mn-cs"/>
+              </a:defRPr>
+            </a:lvl2pPr>
+            <a:lvl3pPr marL="900000" indent="-270000" algn="l" defTabSz="457200" rtl="0" eaLnBrk="1" latinLnBrk="0" hangingPunct="1">
+              <a:spcBef>
+                <a:spcPct val="20000"/>
+              </a:spcBef>
+              <a:spcAft>
+                <a:spcPts val="600"/>
+              </a:spcAft>
+              <a:buClr>
+                <a:schemeClr val="accent2"/>
+              </a:buClr>
+              <a:buSzPct val="92000"/>
+              <a:buFont typeface="Wingdings 2" panose="05020102010507070707" pitchFamily="18" charset="2"/>
+              <a:buChar char=""/>
+              <a:defRPr sz="1400" kern="1200">
+                <a:solidFill>
+                  <a:schemeClr val="tx2"/>
+                </a:solidFill>
+                <a:latin typeface="+mn-lt"/>
+                <a:ea typeface="+mn-ea"/>
+                <a:cs typeface="+mn-cs"/>
+              </a:defRPr>
+            </a:lvl3pPr>
+            <a:lvl4pPr marL="1242000" indent="-234000" algn="l" defTabSz="457200" rtl="0" eaLnBrk="1" latinLnBrk="0" hangingPunct="1">
+              <a:spcBef>
+                <a:spcPct val="20000"/>
+              </a:spcBef>
+              <a:spcAft>
+                <a:spcPts val="600"/>
+              </a:spcAft>
+              <a:buClr>
+                <a:schemeClr val="accent2"/>
+              </a:buClr>
+              <a:buSzPct val="92000"/>
+              <a:buFont typeface="Wingdings 2" panose="05020102010507070707" pitchFamily="18" charset="2"/>
+              <a:buChar char=""/>
+              <a:defRPr sz="1200" kern="1200">
+                <a:solidFill>
+                  <a:schemeClr val="tx2"/>
+                </a:solidFill>
+                <a:latin typeface="+mn-lt"/>
+                <a:ea typeface="+mn-ea"/>
+                <a:cs typeface="+mn-cs"/>
+              </a:defRPr>
+            </a:lvl4pPr>
+            <a:lvl5pPr marL="1602000" indent="-234000" algn="l" defTabSz="457200" rtl="0" eaLnBrk="1" latinLnBrk="0" hangingPunct="1">
+              <a:spcBef>
+                <a:spcPct val="20000"/>
+              </a:spcBef>
+              <a:spcAft>
+                <a:spcPts val="600"/>
+              </a:spcAft>
+              <a:buClr>
+                <a:schemeClr val="accent2"/>
+              </a:buClr>
+              <a:buSzPct val="92000"/>
+              <a:buFont typeface="Wingdings 2" panose="05020102010507070707" pitchFamily="18" charset="2"/>
+              <a:buChar char=""/>
+              <a:defRPr sz="1200" kern="1200">
+                <a:solidFill>
+                  <a:schemeClr val="tx2"/>
+                </a:solidFill>
+                <a:latin typeface="+mn-lt"/>
+                <a:ea typeface="+mn-ea"/>
+                <a:cs typeface="+mn-cs"/>
+              </a:defRPr>
+            </a:lvl5pPr>
+            <a:lvl6pPr marL="1900000" indent="-228600" algn="l" defTabSz="457200" rtl="0" eaLnBrk="1" latinLnBrk="0" hangingPunct="1">
+              <a:spcBef>
+                <a:spcPct val="20000"/>
+              </a:spcBef>
+              <a:spcAft>
+                <a:spcPts val="600"/>
+              </a:spcAft>
+              <a:buClr>
+                <a:schemeClr val="accent2"/>
+              </a:buClr>
+              <a:buSzPct val="92000"/>
+              <a:buFont typeface="Wingdings 2" panose="05020102010507070707" pitchFamily="18" charset="2"/>
+              <a:buChar char=""/>
+              <a:defRPr sz="1200" kern="1200">
+                <a:solidFill>
+                  <a:schemeClr val="tx2"/>
+                </a:solidFill>
+                <a:latin typeface="+mn-lt"/>
+                <a:ea typeface="+mn-ea"/>
+                <a:cs typeface="+mn-cs"/>
+              </a:defRPr>
+            </a:lvl6pPr>
+            <a:lvl7pPr marL="2200000" indent="-228600" algn="l" defTabSz="457200" rtl="0" eaLnBrk="1" latinLnBrk="0" hangingPunct="1">
+              <a:spcBef>
+                <a:spcPct val="20000"/>
+              </a:spcBef>
+              <a:spcAft>
+                <a:spcPts val="600"/>
+              </a:spcAft>
+              <a:buClr>
+                <a:schemeClr val="accent2"/>
+              </a:buClr>
+              <a:buSzPct val="92000"/>
+              <a:buFont typeface="Wingdings 2" panose="05020102010507070707" pitchFamily="18" charset="2"/>
+              <a:buChar char=""/>
+              <a:defRPr sz="1200" kern="1200">
+                <a:solidFill>
+                  <a:schemeClr val="tx2"/>
+                </a:solidFill>
+                <a:latin typeface="+mn-lt"/>
+                <a:ea typeface="+mn-ea"/>
+                <a:cs typeface="+mn-cs"/>
+              </a:defRPr>
+            </a:lvl7pPr>
+            <a:lvl8pPr marL="2500000" indent="-228600" algn="l" defTabSz="457200" rtl="0" eaLnBrk="1" latinLnBrk="0" hangingPunct="1">
+              <a:spcBef>
+                <a:spcPct val="20000"/>
+              </a:spcBef>
+              <a:spcAft>
+                <a:spcPts val="600"/>
+              </a:spcAft>
+              <a:buClr>
+                <a:schemeClr val="accent2"/>
+              </a:buClr>
+              <a:buSzPct val="92000"/>
+              <a:buFont typeface="Wingdings 2" panose="05020102010507070707" pitchFamily="18" charset="2"/>
+              <a:buChar char=""/>
+              <a:defRPr sz="1200" kern="1200">
+                <a:solidFill>
+                  <a:schemeClr val="tx2"/>
+                </a:solidFill>
+                <a:latin typeface="+mn-lt"/>
+                <a:ea typeface="+mn-ea"/>
+                <a:cs typeface="+mn-cs"/>
+              </a:defRPr>
+            </a:lvl8pPr>
+            <a:lvl9pPr marL="2800000" indent="-228600" algn="l" defTabSz="457200" rtl="0" eaLnBrk="1" latinLnBrk="0" hangingPunct="1">
+              <a:spcBef>
+                <a:spcPct val="20000"/>
+              </a:spcBef>
+              <a:spcAft>
+                <a:spcPts val="600"/>
+              </a:spcAft>
+              <a:buClr>
+                <a:schemeClr val="accent2"/>
+              </a:buClr>
+              <a:buSzPct val="92000"/>
+              <a:buFont typeface="Wingdings 2" panose="05020102010507070707" pitchFamily="18" charset="2"/>
+              <a:buChar char=""/>
+              <a:defRPr sz="1200" kern="1200">
+                <a:solidFill>
+                  <a:schemeClr val="tx2"/>
+                </a:solidFill>
+                <a:latin typeface="+mn-lt"/>
+                <a:ea typeface="+mn-ea"/>
+                <a:cs typeface="+mn-cs"/>
+              </a:defRPr>
+            </a:lvl9pPr>
+          </a:lstStyle>
+          <a:p>
+            <a:r>
+              <a:rPr lang="en-US" dirty="0"/>
+              <a:t>CASE</a:t>
+            </a:r>
+          </a:p>
+          <a:p>
+            <a:endParaRPr lang="en-US" dirty="0"/>
+          </a:p>
+          <a:p>
+            <a:r>
+              <a:rPr lang="en-US" dirty="0"/>
+              <a:t>   WHEN condition_1 THEN result_1</a:t>
+            </a:r>
+          </a:p>
+          <a:p>
+            <a:r>
+              <a:rPr lang="en-US" dirty="0"/>
+              <a:t>   WHEN condition_2 THEN result_2</a:t>
+            </a:r>
+          </a:p>
+          <a:p>
+            <a:r>
+              <a:rPr lang="en-US" dirty="0"/>
+              <a:t>   ...</a:t>
+            </a:r>
+          </a:p>
+          <a:p>
+            <a:r>
+              <a:rPr lang="en-US" dirty="0"/>
+              <a:t>   WHEN </a:t>
+            </a:r>
+            <a:r>
+              <a:rPr lang="en-US" dirty="0" err="1"/>
+              <a:t>condition_n</a:t>
+            </a:r>
+            <a:r>
+              <a:rPr lang="en-US" dirty="0"/>
+              <a:t> THEN </a:t>
+            </a:r>
+            <a:r>
+              <a:rPr lang="en-US" dirty="0" err="1"/>
+              <a:t>result_n</a:t>
+            </a:r>
+            <a:endParaRPr lang="en-US" dirty="0"/>
+          </a:p>
+          <a:p>
+            <a:endParaRPr lang="en-US" dirty="0"/>
+          </a:p>
+          <a:p>
+            <a:r>
+              <a:rPr lang="en-US" dirty="0"/>
+              <a:t>   ELSE result</a:t>
+            </a:r>
+          </a:p>
+          <a:p>
+            <a:endParaRPr lang="en-US" dirty="0"/>
+          </a:p>
+          <a:p>
+            <a:r>
+              <a:rPr lang="en-US" dirty="0"/>
+              <a:t>END</a:t>
+            </a:r>
           </a:p>
         </p:txBody>
       </p:sp>
     </p:spTree>
     <p:extLst>
       <p:ext uri="{BB962C8B-B14F-4D97-AF65-F5344CB8AC3E}">
-        <p14:creationId xmlns:p14="http://schemas.microsoft.com/office/powerpoint/2010/main" val="1835662387"/>
+        <p14:creationId xmlns:p14="http://schemas.microsoft.com/office/powerpoint/2010/main" val="2629253308"/>
       </p:ext>
     </p:extLst>
   </p:cSld>
@@ -4525,86 +5055,6 @@
           <p:cNvPr id="2" name="Title 1">
             <a:extLst>
               <a:ext uri="{FF2B5EF4-FFF2-40B4-BE49-F238E27FC236}">
-                <a16:creationId xmlns:a16="http://schemas.microsoft.com/office/drawing/2014/main" id="{760C8C90-EA8A-4DBA-8B70-187FC7CB0E0A}"/>
-              </a:ext>
-            </a:extLst>
-          </p:cNvPr>
-          <p:cNvSpPr>
-            <a:spLocks noGrp="1"/>
-          </p:cNvSpPr>
-          <p:nvPr>
-            <p:ph type="title"/>
-          </p:nvPr>
-        </p:nvSpPr>
-        <p:spPr/>
-        <p:txBody>
-          <a:bodyPr/>
-          <a:lstStyle/>
-          <a:p>
-            <a:endParaRPr lang="en-US"/>
-          </a:p>
-        </p:txBody>
-      </p:sp>
-      <p:sp>
-        <p:nvSpPr>
-          <p:cNvPr id="3" name="Content Placeholder 2">
-            <a:extLst>
-              <a:ext uri="{FF2B5EF4-FFF2-40B4-BE49-F238E27FC236}">
-                <a16:creationId xmlns:a16="http://schemas.microsoft.com/office/drawing/2014/main" id="{4B2D2B4F-37C5-44CB-A771-1977DB12D475}"/>
-              </a:ext>
-            </a:extLst>
-          </p:cNvPr>
-          <p:cNvSpPr>
-            <a:spLocks noGrp="1"/>
-          </p:cNvSpPr>
-          <p:nvPr>
-            <p:ph idx="1"/>
-          </p:nvPr>
-        </p:nvSpPr>
-        <p:spPr/>
-        <p:txBody>
-          <a:bodyPr/>
-          <a:lstStyle/>
-          <a:p>
-            <a:endParaRPr lang="en-US"/>
-          </a:p>
-        </p:txBody>
-      </p:sp>
-    </p:spTree>
-    <p:extLst>
-      <p:ext uri="{BB962C8B-B14F-4D97-AF65-F5344CB8AC3E}">
-        <p14:creationId xmlns:p14="http://schemas.microsoft.com/office/powerpoint/2010/main" val="802427379"/>
-      </p:ext>
-    </p:extLst>
-  </p:cSld>
-  <p:clrMapOvr>
-    <a:masterClrMapping/>
-  </p:clrMapOvr>
-</p:sld>
-</file>
-
-<file path=ppt/slides/slide9.xml><?xml version="1.0" encoding="utf-8"?>
-<p:sld xmlns:a="http://schemas.openxmlformats.org/drawingml/2006/main" xmlns:r="http://schemas.openxmlformats.org/officeDocument/2006/relationships" xmlns:p="http://schemas.openxmlformats.org/presentationml/2006/main">
-  <p:cSld>
-    <p:spTree>
-      <p:nvGrpSpPr>
-        <p:cNvPr id="1" name=""/>
-        <p:cNvGrpSpPr/>
-        <p:nvPr/>
-      </p:nvGrpSpPr>
-      <p:grpSpPr>
-        <a:xfrm>
-          <a:off x="0" y="0"/>
-          <a:ext cx="0" cy="0"/>
-          <a:chOff x="0" y="0"/>
-          <a:chExt cx="0" cy="0"/>
-        </a:xfrm>
-      </p:grpSpPr>
-      <p:sp>
-        <p:nvSpPr>
-          <p:cNvPr id="2" name="Title 1">
-            <a:extLst>
-              <a:ext uri="{FF2B5EF4-FFF2-40B4-BE49-F238E27FC236}">
                 <a16:creationId xmlns:a16="http://schemas.microsoft.com/office/drawing/2014/main" id="{BEA76549-20D8-4AB5-9613-3907C26443A3}"/>
               </a:ext>
             </a:extLst>
@@ -4621,7 +5071,10 @@
           <a:bodyPr/>
           <a:lstStyle/>
           <a:p>
-            <a:endParaRPr lang="en-US"/>
+            <a:r>
+              <a:rPr lang="en-US" dirty="0"/>
+              <a:t>Assignment</a:t>
+            </a:r>
           </a:p>
         </p:txBody>
       </p:sp>
@@ -4646,7 +5099,94 @@
           <a:bodyPr/>
           <a:lstStyle/>
           <a:p>
-            <a:endParaRPr lang="en-US"/>
+            <a:r>
+              <a:rPr lang="en-US" dirty="0"/>
+              <a:t>Restore backup file database “</a:t>
+            </a:r>
+            <a:r>
+              <a:rPr lang="en-US" dirty="0" err="1"/>
+              <a:t>Northwind.bak</a:t>
+            </a:r>
+            <a:r>
+              <a:rPr lang="en-US" dirty="0"/>
+              <a:t>”</a:t>
+            </a:r>
+          </a:p>
+          <a:p>
+            <a:r>
+              <a:rPr lang="en-US" dirty="0"/>
+              <a:t>Create Database Diagram  (ER) from </a:t>
+            </a:r>
+            <a:r>
+              <a:rPr lang="en-US" dirty="0" err="1"/>
+              <a:t>sql</a:t>
+            </a:r>
+            <a:r>
+              <a:rPr lang="en-US" dirty="0"/>
+              <a:t> server management studio</a:t>
+            </a:r>
+          </a:p>
+          <a:p>
+            <a:r>
+              <a:rPr lang="en-US" dirty="0"/>
+              <a:t>Create SQL query  following assignment file </a:t>
+            </a:r>
+          </a:p>
+          <a:p>
+            <a:r>
+              <a:rPr lang="en-US" dirty="0"/>
+              <a:t>Create new branch name “</a:t>
+            </a:r>
+            <a:r>
+              <a:rPr lang="en-US" dirty="0" err="1"/>
+              <a:t>sql</a:t>
+            </a:r>
+            <a:r>
+              <a:rPr lang="en-US" dirty="0"/>
+              <a:t>”</a:t>
+            </a:r>
+          </a:p>
+          <a:p>
+            <a:r>
+              <a:rPr lang="en-US" dirty="0"/>
+              <a:t>Add folder “SQL” and add file “answer.txt” and picture </a:t>
+            </a:r>
+            <a:r>
+              <a:rPr lang="en-US"/>
+              <a:t>database diagram </a:t>
+            </a:r>
+            <a:r>
+              <a:rPr lang="en-US" dirty="0"/>
+              <a:t>in folder “SQL” commit push to branch </a:t>
+            </a:r>
+            <a:r>
+              <a:rPr lang="en-US" dirty="0" err="1"/>
+              <a:t>sql</a:t>
+            </a:r>
+            <a:endParaRPr lang="en-US" dirty="0"/>
+          </a:p>
+          <a:p>
+            <a:r>
+              <a:rPr lang="en-US" dirty="0"/>
+              <a:t>Merge branch </a:t>
+            </a:r>
+            <a:r>
+              <a:rPr lang="en-US" dirty="0" err="1"/>
+              <a:t>sql</a:t>
+            </a:r>
+            <a:r>
+              <a:rPr lang="en-US" dirty="0"/>
+              <a:t> to master</a:t>
+            </a:r>
+          </a:p>
+          <a:p>
+            <a:endParaRPr lang="en-US" dirty="0"/>
+          </a:p>
+          <a:p>
+            <a:endParaRPr lang="en-US" dirty="0"/>
+          </a:p>
+          <a:p>
+            <a:endParaRPr lang="en-US" dirty="0"/>
           </a:p>
         </p:txBody>
       </p:sp>
